--- a/2021.01.27_TwoOnOneUpdates.pptx
+++ b/2021.01.27_TwoOnOneUpdates.pptx
@@ -5,7 +5,7 @@
     <p:sldMasterId id="2147483648" r:id="rId1"/>
   </p:sldMasterIdLst>
   <p:notesMasterIdLst>
-    <p:notesMasterId r:id="rId17"/>
+    <p:notesMasterId r:id="rId18"/>
   </p:notesMasterIdLst>
   <p:sldIdLst>
     <p:sldId id="256" r:id="rId2"/>
@@ -17,12 +17,13 @@
     <p:sldId id="311" r:id="rId8"/>
     <p:sldId id="312" r:id="rId9"/>
     <p:sldId id="322" r:id="rId10"/>
-    <p:sldId id="313" r:id="rId11"/>
-    <p:sldId id="297" r:id="rId12"/>
-    <p:sldId id="301" r:id="rId13"/>
-    <p:sldId id="302" r:id="rId14"/>
-    <p:sldId id="314" r:id="rId15"/>
-    <p:sldId id="321" r:id="rId16"/>
+    <p:sldId id="323" r:id="rId11"/>
+    <p:sldId id="313" r:id="rId12"/>
+    <p:sldId id="297" r:id="rId13"/>
+    <p:sldId id="301" r:id="rId14"/>
+    <p:sldId id="302" r:id="rId15"/>
+    <p:sldId id="314" r:id="rId16"/>
+    <p:sldId id="321" r:id="rId17"/>
   </p:sldIdLst>
   <p:sldSz cx="9144000" cy="6858000" type="screen4x3"/>
   <p:notesSz cx="6858000" cy="9144000"/>
@@ -3883,6 +3884,151 @@
       </p:grpSpPr>
       <p:sp>
         <p:nvSpPr>
+          <p:cNvPr id="2" name="Title 1">
+            <a:extLst>
+              <a:ext uri="{FF2B5EF4-FFF2-40B4-BE49-F238E27FC236}">
+                <a16:creationId xmlns:a16="http://schemas.microsoft.com/office/drawing/2014/main" id="{F854E241-D24D-564E-97D4-1150E90D057B}"/>
+              </a:ext>
+            </a:extLst>
+          </p:cNvPr>
+          <p:cNvSpPr>
+            <a:spLocks noGrp="1"/>
+          </p:cNvSpPr>
+          <p:nvPr>
+            <p:ph type="title"/>
+          </p:nvPr>
+        </p:nvSpPr>
+        <p:spPr/>
+        <p:txBody>
+          <a:bodyPr>
+            <a:normAutofit fontScale="90000"/>
+          </a:bodyPr>
+          <a:lstStyle/>
+          <a:p>
+            <a:r>
+              <a:rPr lang="en-US" dirty="0"/>
+              <a:t>How do I account for “non-neutralizable” viruses? </a:t>
+            </a:r>
+          </a:p>
+        </p:txBody>
+      </p:sp>
+      <p:sp>
+        <p:nvSpPr>
+          <p:cNvPr id="3" name="Content Placeholder 2">
+            <a:extLst>
+              <a:ext uri="{FF2B5EF4-FFF2-40B4-BE49-F238E27FC236}">
+                <a16:creationId xmlns:a16="http://schemas.microsoft.com/office/drawing/2014/main" id="{E178B1AF-264E-1A4B-9B09-46FD3F083F55}"/>
+              </a:ext>
+            </a:extLst>
+          </p:cNvPr>
+          <p:cNvSpPr>
+            <a:spLocks noGrp="1"/>
+          </p:cNvSpPr>
+          <p:nvPr>
+            <p:ph idx="1"/>
+          </p:nvPr>
+        </p:nvSpPr>
+        <p:spPr/>
+        <p:txBody>
+          <a:bodyPr/>
+          <a:lstStyle/>
+          <a:p>
+            <a:pPr marL="0" indent="0">
+              <a:buNone/>
+            </a:pPr>
+            <a:r>
+              <a:rPr lang="en-US" dirty="0"/>
+              <a:t>The addition of high concentrations of antibody, or prolonged incubation with excess concentrations of antibody, frequently results in a fraction of viruses that remain </a:t>
+            </a:r>
+            <a:r>
+              <a:rPr lang="en-US" dirty="0">
+                <a:highlight>
+                  <a:srgbClr val="CFB879"/>
+                </a:highlight>
+              </a:rPr>
+              <a:t>resistant to neutralization</a:t>
+            </a:r>
+            <a:r>
+              <a:rPr lang="en-US" dirty="0"/>
+              <a:t>. These “non-neutralizable” viruses are referred to as the </a:t>
+            </a:r>
+            <a:r>
+              <a:rPr lang="en-US" dirty="0">
+                <a:highlight>
+                  <a:srgbClr val="CFB879"/>
+                </a:highlight>
+              </a:rPr>
+              <a:t>persistent fraction</a:t>
+            </a:r>
+            <a:r>
+              <a:rPr lang="en-US" dirty="0"/>
+              <a:t>.</a:t>
+            </a:r>
+          </a:p>
+        </p:txBody>
+      </p:sp>
+      <p:sp>
+        <p:nvSpPr>
+          <p:cNvPr id="4" name="Slide Number Placeholder 3">
+            <a:extLst>
+              <a:ext uri="{FF2B5EF4-FFF2-40B4-BE49-F238E27FC236}">
+                <a16:creationId xmlns:a16="http://schemas.microsoft.com/office/drawing/2014/main" id="{8DB2A2DA-3EF9-7345-9920-4A2ADFFA4E6D}"/>
+              </a:ext>
+            </a:extLst>
+          </p:cNvPr>
+          <p:cNvSpPr>
+            <a:spLocks noGrp="1"/>
+          </p:cNvSpPr>
+          <p:nvPr>
+            <p:ph type="sldNum" sz="quarter" idx="12"/>
+          </p:nvPr>
+        </p:nvSpPr>
+        <p:spPr/>
+        <p:txBody>
+          <a:bodyPr/>
+          <a:lstStyle/>
+          <a:p>
+            <a:fld id="{9E3EFB43-BEAF-4970-A06C-24B01B76FA99}" type="slidenum">
+              <a:rPr lang="en-US" smtClean="0"/>
+              <a:pPr/>
+              <a:t>10</a:t>
+            </a:fld>
+            <a:endParaRPr lang="en-US"/>
+          </a:p>
+        </p:txBody>
+      </p:sp>
+    </p:spTree>
+    <p:extLst>
+      <p:ext uri="{BB962C8B-B14F-4D97-AF65-F5344CB8AC3E}">
+        <p14:creationId xmlns:p14="http://schemas.microsoft.com/office/powerpoint/2010/main" val="1161026200"/>
+      </p:ext>
+    </p:extLst>
+  </p:cSld>
+  <p:clrMapOvr>
+    <a:masterClrMapping/>
+  </p:clrMapOvr>
+</p:sld>
+</file>
+
+<file path=ppt/slides/slide11.xml><?xml version="1.0" encoding="utf-8"?>
+<p:sld xmlns:a="http://schemas.openxmlformats.org/drawingml/2006/main" xmlns:r="http://schemas.openxmlformats.org/officeDocument/2006/relationships" xmlns:p="http://schemas.openxmlformats.org/presentationml/2006/main">
+  <p:cSld>
+    <p:spTree>
+      <p:nvGrpSpPr>
+        <p:cNvPr id="1" name=""/>
+        <p:cNvGrpSpPr/>
+        <p:nvPr/>
+      </p:nvGrpSpPr>
+      <p:grpSpPr>
+        <a:xfrm>
+          <a:off x="0" y="0"/>
+          <a:ext cx="0" cy="0"/>
+          <a:chOff x="0" y="0"/>
+          <a:chExt cx="0" cy="0"/>
+        </a:xfrm>
+      </p:grpSpPr>
+      <p:sp>
+        <p:nvSpPr>
           <p:cNvPr id="6" name="Rectangle 5">
             <a:extLst>
               <a:ext uri="{FF2B5EF4-FFF2-40B4-BE49-F238E27FC236}">
@@ -4116,7 +4262,7 @@
             <a:fld id="{9E3EFB43-BEAF-4970-A06C-24B01B76FA99}" type="slidenum">
               <a:rPr lang="en-US" smtClean="0"/>
               <a:pPr/>
-              <a:t>10</a:t>
+              <a:t>11</a:t>
             </a:fld>
             <a:endParaRPr lang="en-US"/>
           </a:p>
@@ -4241,126 +4387,6 @@
 </p:sld>
 </file>
 
-<file path=ppt/slides/slide11.xml><?xml version="1.0" encoding="utf-8"?>
-<p:sld xmlns:a="http://schemas.openxmlformats.org/drawingml/2006/main" xmlns:r="http://schemas.openxmlformats.org/officeDocument/2006/relationships" xmlns:p="http://schemas.openxmlformats.org/presentationml/2006/main">
-  <p:cSld>
-    <p:spTree>
-      <p:nvGrpSpPr>
-        <p:cNvPr id="1" name=""/>
-        <p:cNvGrpSpPr/>
-        <p:nvPr/>
-      </p:nvGrpSpPr>
-      <p:grpSpPr>
-        <a:xfrm>
-          <a:off x="0" y="0"/>
-          <a:ext cx="0" cy="0"/>
-          <a:chOff x="0" y="0"/>
-          <a:chExt cx="0" cy="0"/>
-        </a:xfrm>
-      </p:grpSpPr>
-      <p:sp>
-        <p:nvSpPr>
-          <p:cNvPr id="2" name="Title 1">
-            <a:extLst>
-              <a:ext uri="{FF2B5EF4-FFF2-40B4-BE49-F238E27FC236}">
-                <a16:creationId xmlns:a16="http://schemas.microsoft.com/office/drawing/2014/main" id="{EAD16F49-9CFC-5F4F-8F26-94D3677575AA}"/>
-              </a:ext>
-            </a:extLst>
-          </p:cNvPr>
-          <p:cNvSpPr>
-            <a:spLocks noGrp="1"/>
-          </p:cNvSpPr>
-          <p:nvPr>
-            <p:ph type="title"/>
-          </p:nvPr>
-        </p:nvSpPr>
-        <p:spPr/>
-        <p:txBody>
-          <a:bodyPr/>
-          <a:lstStyle/>
-          <a:p>
-            <a:r>
-              <a:rPr lang="en-US" dirty="0">
-                <a:solidFill>
-                  <a:srgbClr val="CFB879"/>
-                </a:solidFill>
-              </a:rPr>
-              <a:t>RBD Conformation Impact on Association Rate</a:t>
-            </a:r>
-          </a:p>
-        </p:txBody>
-      </p:sp>
-      <p:sp>
-        <p:nvSpPr>
-          <p:cNvPr id="3" name="Text Placeholder 2">
-            <a:extLst>
-              <a:ext uri="{FF2B5EF4-FFF2-40B4-BE49-F238E27FC236}">
-                <a16:creationId xmlns:a16="http://schemas.microsoft.com/office/drawing/2014/main" id="{CB62FEF6-6C2E-664D-8EDB-90DFC87B6293}"/>
-              </a:ext>
-            </a:extLst>
-          </p:cNvPr>
-          <p:cNvSpPr>
-            <a:spLocks noGrp="1"/>
-          </p:cNvSpPr>
-          <p:nvPr>
-            <p:ph type="body" idx="1"/>
-          </p:nvPr>
-        </p:nvSpPr>
-        <p:spPr/>
-        <p:txBody>
-          <a:bodyPr/>
-          <a:lstStyle/>
-          <a:p>
-            <a:r>
-              <a:rPr lang="en-US" dirty="0"/>
-              <a:t>Project 2</a:t>
-            </a:r>
-          </a:p>
-        </p:txBody>
-      </p:sp>
-      <p:sp>
-        <p:nvSpPr>
-          <p:cNvPr id="4" name="Slide Number Placeholder 3">
-            <a:extLst>
-              <a:ext uri="{FF2B5EF4-FFF2-40B4-BE49-F238E27FC236}">
-                <a16:creationId xmlns:a16="http://schemas.microsoft.com/office/drawing/2014/main" id="{807F092B-AA8E-4D4A-A553-9BE4B4429C91}"/>
-              </a:ext>
-            </a:extLst>
-          </p:cNvPr>
-          <p:cNvSpPr>
-            <a:spLocks noGrp="1"/>
-          </p:cNvSpPr>
-          <p:nvPr>
-            <p:ph type="sldNum" sz="quarter" idx="12"/>
-          </p:nvPr>
-        </p:nvSpPr>
-        <p:spPr/>
-        <p:txBody>
-          <a:bodyPr/>
-          <a:lstStyle/>
-          <a:p>
-            <a:fld id="{9E3EFB43-BEAF-4970-A06C-24B01B76FA99}" type="slidenum">
-              <a:rPr lang="en-US" smtClean="0"/>
-              <a:pPr/>
-              <a:t>11</a:t>
-            </a:fld>
-            <a:endParaRPr lang="en-US"/>
-          </a:p>
-        </p:txBody>
-      </p:sp>
-    </p:spTree>
-    <p:extLst>
-      <p:ext uri="{BB962C8B-B14F-4D97-AF65-F5344CB8AC3E}">
-        <p14:creationId xmlns:p14="http://schemas.microsoft.com/office/powerpoint/2010/main" val="3324628818"/>
-      </p:ext>
-    </p:extLst>
-  </p:cSld>
-  <p:clrMapOvr>
-    <a:masterClrMapping/>
-  </p:clrMapOvr>
-</p:sld>
-</file>
-
 <file path=ppt/slides/slide12.xml><?xml version="1.0" encoding="utf-8"?>
 <p:sld xmlns:a="http://schemas.openxmlformats.org/drawingml/2006/main" xmlns:r="http://schemas.openxmlformats.org/officeDocument/2006/relationships" xmlns:p="http://schemas.openxmlformats.org/presentationml/2006/main">
   <p:cSld>
@@ -4383,7 +4409,7 @@
           <p:cNvPr id="2" name="Title 1">
             <a:extLst>
               <a:ext uri="{FF2B5EF4-FFF2-40B4-BE49-F238E27FC236}">
-                <a16:creationId xmlns:a16="http://schemas.microsoft.com/office/drawing/2014/main" id="{EE3EEBAD-B0D5-A543-866E-0E33DF1EC9C9}"/>
+                <a16:creationId xmlns:a16="http://schemas.microsoft.com/office/drawing/2014/main" id="{EAD16F49-9CFC-5F4F-8F26-94D3677575AA}"/>
               </a:ext>
             </a:extLst>
           </p:cNvPr>
@@ -4400,18 +4426,22 @@
           <a:lstStyle/>
           <a:p>
             <a:r>
-              <a:rPr lang="en-US" dirty="0"/>
-              <a:t>Procedure</a:t>
-            </a:r>
-          </a:p>
-        </p:txBody>
-      </p:sp>
-      <p:sp>
-        <p:nvSpPr>
-          <p:cNvPr id="3" name="Content Placeholder 2">
+              <a:rPr lang="en-US" dirty="0">
+                <a:solidFill>
+                  <a:srgbClr val="CFB879"/>
+                </a:solidFill>
+              </a:rPr>
+              <a:t>RBD Conformation Impact on Association Rate</a:t>
+            </a:r>
+          </a:p>
+        </p:txBody>
+      </p:sp>
+      <p:sp>
+        <p:nvSpPr>
+          <p:cNvPr id="3" name="Text Placeholder 2">
             <a:extLst>
               <a:ext uri="{FF2B5EF4-FFF2-40B4-BE49-F238E27FC236}">
-                <a16:creationId xmlns:a16="http://schemas.microsoft.com/office/drawing/2014/main" id="{7C3EAF31-8999-9647-9617-569A076F691E}"/>
+                <a16:creationId xmlns:a16="http://schemas.microsoft.com/office/drawing/2014/main" id="{CB62FEF6-6C2E-664D-8EDB-90DFC87B6293}"/>
               </a:ext>
             </a:extLst>
           </p:cNvPr>
@@ -4419,58 +4449,17 @@
             <a:spLocks noGrp="1"/>
           </p:cNvSpPr>
           <p:nvPr>
-            <p:ph idx="1"/>
+            <p:ph type="body" idx="1"/>
           </p:nvPr>
         </p:nvSpPr>
         <p:spPr/>
         <p:txBody>
-          <a:bodyPr>
-            <a:normAutofit lnSpcReduction="10000"/>
-          </a:bodyPr>
-          <a:lstStyle/>
-          <a:p>
-            <a:pPr marL="514350" indent="-514350">
-              <a:buAutoNum type="arabicPeriod"/>
-            </a:pPr>
+          <a:bodyPr/>
+          <a:lstStyle/>
+          <a:p>
             <a:r>
               <a:rPr lang="en-US" dirty="0"/>
-              <a:t>Find the spike protein in 4 different states: 0 up, 1 up, 2 up, 3 up and align it to the antibody</a:t>
-            </a:r>
-          </a:p>
-          <a:p>
-            <a:pPr marL="514350" indent="-514350">
-              <a:buAutoNum type="arabicPeriod"/>
-            </a:pPr>
-            <a:r>
-              <a:rPr lang="en-US" dirty="0"/>
-              <a:t>Determine the association rate corresponding to each of these states</a:t>
-            </a:r>
-          </a:p>
-          <a:p>
-            <a:pPr marL="514350" indent="-514350">
-              <a:buAutoNum type="arabicPeriod"/>
-            </a:pPr>
-            <a:r>
-              <a:rPr lang="en-US" dirty="0"/>
-              <a:t>Model affinity maturation of B cells where the antigens are the spike proteins in different conformations.</a:t>
-            </a:r>
-          </a:p>
-          <a:p>
-            <a:pPr marL="514350" indent="-514350">
-              <a:buAutoNum type="arabicPeriod"/>
-            </a:pPr>
-            <a:r>
-              <a:rPr lang="en-US" dirty="0"/>
-              <a:t>Show how the different conformations impact affinity maturation.</a:t>
-            </a:r>
-          </a:p>
-          <a:p>
-            <a:pPr marL="514350" indent="-514350">
-              <a:buAutoNum type="arabicPeriod"/>
-            </a:pPr>
-            <a:r>
-              <a:rPr lang="en-US" dirty="0"/>
-              <a:t>Apply this theory to other strains of COVID. </a:t>
+              <a:t>Project 2</a:t>
             </a:r>
           </a:p>
         </p:txBody>
@@ -4480,7 +4469,7 @@
           <p:cNvPr id="4" name="Slide Number Placeholder 3">
             <a:extLst>
               <a:ext uri="{FF2B5EF4-FFF2-40B4-BE49-F238E27FC236}">
-                <a16:creationId xmlns:a16="http://schemas.microsoft.com/office/drawing/2014/main" id="{12372019-F87B-6843-834D-B597708D1F8D}"/>
+                <a16:creationId xmlns:a16="http://schemas.microsoft.com/office/drawing/2014/main" id="{807F092B-AA8E-4D4A-A553-9BE4B4429C91}"/>
               </a:ext>
             </a:extLst>
           </p:cNvPr>
@@ -4508,7 +4497,7 @@
     </p:spTree>
     <p:extLst>
       <p:ext uri="{BB962C8B-B14F-4D97-AF65-F5344CB8AC3E}">
-        <p14:creationId xmlns:p14="http://schemas.microsoft.com/office/powerpoint/2010/main" val="2980333688"/>
+        <p14:creationId xmlns:p14="http://schemas.microsoft.com/office/powerpoint/2010/main" val="3324628818"/>
       </p:ext>
     </p:extLst>
   </p:cSld>
@@ -4537,6 +4526,163 @@
       </p:grpSpPr>
       <p:sp>
         <p:nvSpPr>
+          <p:cNvPr id="2" name="Title 1">
+            <a:extLst>
+              <a:ext uri="{FF2B5EF4-FFF2-40B4-BE49-F238E27FC236}">
+                <a16:creationId xmlns:a16="http://schemas.microsoft.com/office/drawing/2014/main" id="{EE3EEBAD-B0D5-A543-866E-0E33DF1EC9C9}"/>
+              </a:ext>
+            </a:extLst>
+          </p:cNvPr>
+          <p:cNvSpPr>
+            <a:spLocks noGrp="1"/>
+          </p:cNvSpPr>
+          <p:nvPr>
+            <p:ph type="title"/>
+          </p:nvPr>
+        </p:nvSpPr>
+        <p:spPr/>
+        <p:txBody>
+          <a:bodyPr/>
+          <a:lstStyle/>
+          <a:p>
+            <a:r>
+              <a:rPr lang="en-US" dirty="0"/>
+              <a:t>Procedure</a:t>
+            </a:r>
+          </a:p>
+        </p:txBody>
+      </p:sp>
+      <p:sp>
+        <p:nvSpPr>
+          <p:cNvPr id="3" name="Content Placeholder 2">
+            <a:extLst>
+              <a:ext uri="{FF2B5EF4-FFF2-40B4-BE49-F238E27FC236}">
+                <a16:creationId xmlns:a16="http://schemas.microsoft.com/office/drawing/2014/main" id="{7C3EAF31-8999-9647-9617-569A076F691E}"/>
+              </a:ext>
+            </a:extLst>
+          </p:cNvPr>
+          <p:cNvSpPr>
+            <a:spLocks noGrp="1"/>
+          </p:cNvSpPr>
+          <p:nvPr>
+            <p:ph idx="1"/>
+          </p:nvPr>
+        </p:nvSpPr>
+        <p:spPr/>
+        <p:txBody>
+          <a:bodyPr>
+            <a:normAutofit lnSpcReduction="10000"/>
+          </a:bodyPr>
+          <a:lstStyle/>
+          <a:p>
+            <a:pPr marL="514350" indent="-514350">
+              <a:buAutoNum type="arabicPeriod"/>
+            </a:pPr>
+            <a:r>
+              <a:rPr lang="en-US" dirty="0"/>
+              <a:t>Find the spike protein in 4 different states: 0 up, 1 up, 2 up, 3 up and align it to the antibody</a:t>
+            </a:r>
+          </a:p>
+          <a:p>
+            <a:pPr marL="514350" indent="-514350">
+              <a:buAutoNum type="arabicPeriod"/>
+            </a:pPr>
+            <a:r>
+              <a:rPr lang="en-US" dirty="0"/>
+              <a:t>Determine the association rate corresponding to each of these states</a:t>
+            </a:r>
+          </a:p>
+          <a:p>
+            <a:pPr marL="514350" indent="-514350">
+              <a:buAutoNum type="arabicPeriod"/>
+            </a:pPr>
+            <a:r>
+              <a:rPr lang="en-US" dirty="0"/>
+              <a:t>Model affinity maturation of B cells where the antigens are the spike proteins in different conformations.</a:t>
+            </a:r>
+          </a:p>
+          <a:p>
+            <a:pPr marL="514350" indent="-514350">
+              <a:buAutoNum type="arabicPeriod"/>
+            </a:pPr>
+            <a:r>
+              <a:rPr lang="en-US" dirty="0"/>
+              <a:t>Show how the different conformations impact affinity maturation.</a:t>
+            </a:r>
+          </a:p>
+          <a:p>
+            <a:pPr marL="514350" indent="-514350">
+              <a:buAutoNum type="arabicPeriod"/>
+            </a:pPr>
+            <a:r>
+              <a:rPr lang="en-US" dirty="0"/>
+              <a:t>Apply this theory to other strains of COVID. </a:t>
+            </a:r>
+          </a:p>
+        </p:txBody>
+      </p:sp>
+      <p:sp>
+        <p:nvSpPr>
+          <p:cNvPr id="4" name="Slide Number Placeholder 3">
+            <a:extLst>
+              <a:ext uri="{FF2B5EF4-FFF2-40B4-BE49-F238E27FC236}">
+                <a16:creationId xmlns:a16="http://schemas.microsoft.com/office/drawing/2014/main" id="{12372019-F87B-6843-834D-B597708D1F8D}"/>
+              </a:ext>
+            </a:extLst>
+          </p:cNvPr>
+          <p:cNvSpPr>
+            <a:spLocks noGrp="1"/>
+          </p:cNvSpPr>
+          <p:nvPr>
+            <p:ph type="sldNum" sz="quarter" idx="12"/>
+          </p:nvPr>
+        </p:nvSpPr>
+        <p:spPr/>
+        <p:txBody>
+          <a:bodyPr/>
+          <a:lstStyle/>
+          <a:p>
+            <a:fld id="{9E3EFB43-BEAF-4970-A06C-24B01B76FA99}" type="slidenum">
+              <a:rPr lang="en-US" smtClean="0"/>
+              <a:pPr/>
+              <a:t>13</a:t>
+            </a:fld>
+            <a:endParaRPr lang="en-US"/>
+          </a:p>
+        </p:txBody>
+      </p:sp>
+    </p:spTree>
+    <p:extLst>
+      <p:ext uri="{BB962C8B-B14F-4D97-AF65-F5344CB8AC3E}">
+        <p14:creationId xmlns:p14="http://schemas.microsoft.com/office/powerpoint/2010/main" val="2980333688"/>
+      </p:ext>
+    </p:extLst>
+  </p:cSld>
+  <p:clrMapOvr>
+    <a:masterClrMapping/>
+  </p:clrMapOvr>
+</p:sld>
+</file>
+
+<file path=ppt/slides/slide14.xml><?xml version="1.0" encoding="utf-8"?>
+<p:sld xmlns:a="http://schemas.openxmlformats.org/drawingml/2006/main" xmlns:r="http://schemas.openxmlformats.org/officeDocument/2006/relationships" xmlns:p="http://schemas.openxmlformats.org/presentationml/2006/main">
+  <p:cSld>
+    <p:spTree>
+      <p:nvGrpSpPr>
+        <p:cNvPr id="1" name=""/>
+        <p:cNvGrpSpPr/>
+        <p:nvPr/>
+      </p:nvGrpSpPr>
+      <p:grpSpPr>
+        <a:xfrm>
+          <a:off x="0" y="0"/>
+          <a:ext cx="0" cy="0"/>
+          <a:chOff x="0" y="0"/>
+          <a:chExt cx="0" cy="0"/>
+        </a:xfrm>
+      </p:grpSpPr>
+      <p:sp>
+        <p:nvSpPr>
           <p:cNvPr id="4" name="Slide Number Placeholder 3">
             <a:extLst>
               <a:ext uri="{FF2B5EF4-FFF2-40B4-BE49-F238E27FC236}">
@@ -4559,7 +4705,7 @@
             <a:fld id="{9E3EFB43-BEAF-4970-A06C-24B01B76FA99}" type="slidenum">
               <a:rPr lang="en-US" smtClean="0"/>
               <a:pPr/>
-              <a:t>13</a:t>
+              <a:t>14</a:t>
             </a:fld>
             <a:endParaRPr lang="en-US"/>
           </a:p>
@@ -4720,7 +4866,7 @@
 </p:sld>
 </file>
 
-<file path=ppt/slides/slide14.xml><?xml version="1.0" encoding="utf-8"?>
+<file path=ppt/slides/slide15.xml><?xml version="1.0" encoding="utf-8"?>
 <p:sld xmlns:a="http://schemas.openxmlformats.org/drawingml/2006/main" xmlns:r="http://schemas.openxmlformats.org/officeDocument/2006/relationships" xmlns:p="http://schemas.openxmlformats.org/presentationml/2006/main">
   <p:cSld>
     <p:spTree>
@@ -4970,7 +5116,7 @@
             <a:fld id="{9E3EFB43-BEAF-4970-A06C-24B01B76FA99}" type="slidenum">
               <a:rPr lang="en-US" smtClean="0"/>
               <a:pPr/>
-              <a:t>14</a:t>
+              <a:t>15</a:t>
             </a:fld>
             <a:endParaRPr lang="en-US"/>
           </a:p>
@@ -5095,7 +5241,7 @@
 </p:sld>
 </file>
 
-<file path=ppt/slides/slide15.xml><?xml version="1.0" encoding="utf-8"?>
+<file path=ppt/slides/slide16.xml><?xml version="1.0" encoding="utf-8"?>
 <p:sld xmlns:a="http://schemas.openxmlformats.org/drawingml/2006/main" xmlns:r="http://schemas.openxmlformats.org/officeDocument/2006/relationships" xmlns:p="http://schemas.openxmlformats.org/presentationml/2006/main">
   <p:cSld>
     <p:spTree>
@@ -5136,7 +5282,7 @@
             <a:fld id="{9E3EFB43-BEAF-4970-A06C-24B01B76FA99}" type="slidenum">
               <a:rPr lang="en-US" smtClean="0"/>
               <a:pPr/>
-              <a:t>15</a:t>
+              <a:t>16</a:t>
             </a:fld>
             <a:endParaRPr lang="en-US"/>
           </a:p>
@@ -6082,7 +6228,7 @@
           <a:p>
             <a:r>
               <a:rPr lang="en-US" dirty="0"/>
-              <a:t>Infectivity:</a:t>
+              <a:t>Original Model of Infectivity:</a:t>
             </a:r>
           </a:p>
         </p:txBody>
@@ -7028,31 +7174,6 @@
       </p:sp>
       <p:sp>
         <p:nvSpPr>
-          <p:cNvPr id="3" name="Content Placeholder 2">
-            <a:extLst>
-              <a:ext uri="{FF2B5EF4-FFF2-40B4-BE49-F238E27FC236}">
-                <a16:creationId xmlns:a16="http://schemas.microsoft.com/office/drawing/2014/main" id="{B376D30D-709A-A044-BE65-7C05B077320D}"/>
-              </a:ext>
-            </a:extLst>
-          </p:cNvPr>
-          <p:cNvSpPr>
-            <a:spLocks noGrp="1"/>
-          </p:cNvSpPr>
-          <p:nvPr>
-            <p:ph idx="1"/>
-          </p:nvPr>
-        </p:nvSpPr>
-        <p:spPr/>
-        <p:txBody>
-          <a:bodyPr/>
-          <a:lstStyle/>
-          <a:p>
-            <a:endParaRPr lang="en-US"/>
-          </a:p>
-        </p:txBody>
-      </p:sp>
-      <p:sp>
-        <p:nvSpPr>
           <p:cNvPr id="4" name="Slide Number Placeholder 3">
             <a:extLst>
               <a:ext uri="{FF2B5EF4-FFF2-40B4-BE49-F238E27FC236}">
@@ -7078,6 +7199,606 @@
               <a:t>9</a:t>
             </a:fld>
             <a:endParaRPr lang="en-US"/>
+          </a:p>
+        </p:txBody>
+      </p:sp>
+      <p:pic>
+        <p:nvPicPr>
+          <p:cNvPr id="9" name="Picture 8">
+            <a:extLst>
+              <a:ext uri="{FF2B5EF4-FFF2-40B4-BE49-F238E27FC236}">
+                <a16:creationId xmlns:a16="http://schemas.microsoft.com/office/drawing/2014/main" id="{0C40B7F0-F28B-EB48-8DB6-FE76B7B9CD38}"/>
+              </a:ext>
+            </a:extLst>
+          </p:cNvPr>
+          <p:cNvPicPr>
+            <a:picLocks noChangeAspect="1"/>
+          </p:cNvPicPr>
+          <p:nvPr/>
+        </p:nvPicPr>
+        <p:blipFill rotWithShape="1">
+          <a:blip r:embed="rId2"/>
+          <a:srcRect b="52729"/>
+          <a:stretch/>
+        </p:blipFill>
+        <p:spPr>
+          <a:xfrm>
+            <a:off x="482600" y="1219200"/>
+            <a:ext cx="6261233" cy="3212830"/>
+          </a:xfrm>
+          <a:prstGeom prst="rect">
+            <a:avLst/>
+          </a:prstGeom>
+        </p:spPr>
+      </p:pic>
+      <mc:AlternateContent xmlns:mc="http://schemas.openxmlformats.org/markup-compatibility/2006">
+        <mc:Choice xmlns:a14="http://schemas.microsoft.com/office/drawing/2010/main" Requires="a14">
+          <p:sp>
+            <p:nvSpPr>
+              <p:cNvPr id="12" name="TextBox 11">
+                <a:extLst>
+                  <a:ext uri="{FF2B5EF4-FFF2-40B4-BE49-F238E27FC236}">
+                    <a16:creationId xmlns:a16="http://schemas.microsoft.com/office/drawing/2014/main" id="{3CEB4FFC-79CC-D54D-A7D5-293D37CC12C2}"/>
+                  </a:ext>
+                </a:extLst>
+              </p:cNvPr>
+              <p:cNvSpPr txBox="1"/>
+              <p:nvPr/>
+            </p:nvSpPr>
+            <p:spPr>
+              <a:xfrm>
+                <a:off x="2645470" y="4343400"/>
+                <a:ext cx="6041330" cy="1609415"/>
+              </a:xfrm>
+              <a:prstGeom prst="rect">
+                <a:avLst/>
+              </a:prstGeom>
+              <a:noFill/>
+            </p:spPr>
+            <p:txBody>
+              <a:bodyPr wrap="square" lIns="0" tIns="0" rIns="0" bIns="0" rtlCol="0">
+                <a:spAutoFit/>
+              </a:bodyPr>
+              <a:lstStyle/>
+              <a:p>
+                <a14:m>
+                  <m:oMathPara xmlns:m="http://schemas.openxmlformats.org/officeDocument/2006/math">
+                    <m:oMathParaPr>
+                      <m:jc m:val="centerGroup"/>
+                    </m:oMathParaPr>
+                    <m:oMath xmlns:m="http://schemas.openxmlformats.org/officeDocument/2006/math">
+                      <m:r>
+                        <a:rPr lang="en-US" b="0" i="1" smtClean="0">
+                          <a:latin typeface="Cambria Math" panose="02040503050406030204" pitchFamily="18" charset="0"/>
+                        </a:rPr>
+                        <m:t>𝐼</m:t>
+                      </m:r>
+                      <m:r>
+                        <a:rPr lang="en-US" b="0" i="1" smtClean="0">
+                          <a:latin typeface="Cambria Math" panose="02040503050406030204" pitchFamily="18" charset="0"/>
+                        </a:rPr>
+                        <m:t>=</m:t>
+                      </m:r>
+                      <m:sSub>
+                        <m:sSubPr>
+                          <m:ctrlPr>
+                            <a:rPr lang="en-US" b="0" i="1" smtClean="0">
+                              <a:latin typeface="Cambria Math" panose="02040503050406030204" pitchFamily="18" charset="0"/>
+                            </a:rPr>
+                          </m:ctrlPr>
+                        </m:sSubPr>
+                        <m:e>
+                          <m:r>
+                            <a:rPr lang="en-US" b="0" i="1" smtClean="0">
+                              <a:latin typeface="Cambria Math" panose="02040503050406030204" pitchFamily="18" charset="0"/>
+                            </a:rPr>
+                            <m:t>𝐼</m:t>
+                          </m:r>
+                        </m:e>
+                        <m:sub>
+                          <m:r>
+                            <a:rPr lang="en-US" b="0" i="1" smtClean="0">
+                              <a:latin typeface="Cambria Math" panose="02040503050406030204" pitchFamily="18" charset="0"/>
+                            </a:rPr>
+                            <m:t>0</m:t>
+                          </m:r>
+                        </m:sub>
+                      </m:sSub>
+                      <m:nary>
+                        <m:naryPr>
+                          <m:chr m:val="∑"/>
+                          <m:ctrlPr>
+                            <a:rPr lang="en-US" b="0" i="1" smtClean="0">
+                              <a:latin typeface="Cambria Math" panose="02040503050406030204" pitchFamily="18" charset="0"/>
+                            </a:rPr>
+                          </m:ctrlPr>
+                        </m:naryPr>
+                        <m:sub>
+                          <m:r>
+                            <m:rPr>
+                              <m:brk m:alnAt="23"/>
+                            </m:rPr>
+                            <a:rPr lang="en-US" b="0" i="1" smtClean="0">
+                              <a:latin typeface="Cambria Math" panose="02040503050406030204" pitchFamily="18" charset="0"/>
+                            </a:rPr>
+                            <m:t>𝑟</m:t>
+                          </m:r>
+                          <m:r>
+                            <a:rPr lang="en-US" b="0" i="1" smtClean="0">
+                              <a:latin typeface="Cambria Math" panose="02040503050406030204" pitchFamily="18" charset="0"/>
+                            </a:rPr>
+                            <m:t>=0</m:t>
+                          </m:r>
+                        </m:sub>
+                        <m:sup>
+                          <m:r>
+                            <a:rPr lang="en-US" b="0" i="1" smtClean="0">
+                              <a:latin typeface="Cambria Math" panose="02040503050406030204" pitchFamily="18" charset="0"/>
+                            </a:rPr>
+                            <m:t>𝑛</m:t>
+                          </m:r>
+                          <m:r>
+                            <a:rPr lang="en-US" b="0" i="1" smtClean="0">
+                              <a:latin typeface="Cambria Math" panose="02040503050406030204" pitchFamily="18" charset="0"/>
+                            </a:rPr>
+                            <m:t>−1</m:t>
+                          </m:r>
+                        </m:sup>
+                        <m:e>
+                          <m:f>
+                            <m:fPr>
+                              <m:ctrlPr>
+                                <a:rPr lang="en-US" b="0" i="1" smtClean="0">
+                                  <a:latin typeface="Cambria Math" panose="02040503050406030204" pitchFamily="18" charset="0"/>
+                                </a:rPr>
+                              </m:ctrlPr>
+                            </m:fPr>
+                            <m:num>
+                              <m:sSup>
+                                <m:sSupPr>
+                                  <m:ctrlPr>
+                                    <a:rPr lang="en-US" b="0" i="1" smtClean="0">
+                                      <a:latin typeface="Cambria Math" panose="02040503050406030204" pitchFamily="18" charset="0"/>
+                                    </a:rPr>
+                                  </m:ctrlPr>
+                                </m:sSupPr>
+                                <m:e>
+                                  <m:r>
+                                    <a:rPr lang="en-US" b="0" i="1" smtClean="0">
+                                      <a:latin typeface="Cambria Math" panose="02040503050406030204" pitchFamily="18" charset="0"/>
+                                    </a:rPr>
+                                    <m:t>𝑚</m:t>
+                                  </m:r>
+                                </m:e>
+                                <m:sup>
+                                  <m:r>
+                                    <a:rPr lang="en-US" b="0" i="1" smtClean="0">
+                                      <a:latin typeface="Cambria Math" panose="02040503050406030204" pitchFamily="18" charset="0"/>
+                                    </a:rPr>
+                                    <m:t>𝑟</m:t>
+                                  </m:r>
+                                </m:sup>
+                              </m:sSup>
+                              <m:sSup>
+                                <m:sSupPr>
+                                  <m:ctrlPr>
+                                    <a:rPr lang="en-US" b="0" i="1" smtClean="0">
+                                      <a:latin typeface="Cambria Math" panose="02040503050406030204" pitchFamily="18" charset="0"/>
+                                    </a:rPr>
+                                  </m:ctrlPr>
+                                </m:sSupPr>
+                                <m:e>
+                                  <m:r>
+                                    <a:rPr lang="en-US" b="0" i="1" smtClean="0">
+                                      <a:latin typeface="Cambria Math" panose="02040503050406030204" pitchFamily="18" charset="0"/>
+                                    </a:rPr>
+                                    <m:t>𝑒</m:t>
+                                  </m:r>
+                                </m:e>
+                                <m:sup>
+                                  <m:r>
+                                    <a:rPr lang="en-US" b="0" i="1" smtClean="0">
+                                      <a:latin typeface="Cambria Math" panose="02040503050406030204" pitchFamily="18" charset="0"/>
+                                    </a:rPr>
+                                    <m:t>−</m:t>
+                                  </m:r>
+                                  <m:r>
+                                    <a:rPr lang="en-US" b="0" i="1" smtClean="0">
+                                      <a:latin typeface="Cambria Math" panose="02040503050406030204" pitchFamily="18" charset="0"/>
+                                    </a:rPr>
+                                    <m:t>𝑚</m:t>
+                                  </m:r>
+                                </m:sup>
+                              </m:sSup>
+                            </m:num>
+                            <m:den>
+                              <m:r>
+                                <a:rPr lang="en-US" b="0" i="1" smtClean="0">
+                                  <a:latin typeface="Cambria Math" panose="02040503050406030204" pitchFamily="18" charset="0"/>
+                                </a:rPr>
+                                <m:t>𝑟</m:t>
+                              </m:r>
+                              <m:r>
+                                <a:rPr lang="en-US" b="0" i="1" smtClean="0">
+                                  <a:latin typeface="Cambria Math" panose="02040503050406030204" pitchFamily="18" charset="0"/>
+                                </a:rPr>
+                                <m:t>!</m:t>
+                              </m:r>
+                            </m:den>
+                          </m:f>
+                        </m:e>
+                      </m:nary>
+                      <m:r>
+                        <a:rPr lang="en-US" b="0" i="1" smtClean="0">
+                          <a:latin typeface="Cambria Math" panose="02040503050406030204" pitchFamily="18" charset="0"/>
+                        </a:rPr>
+                        <m:t> </m:t>
+                      </m:r>
+                    </m:oMath>
+                  </m:oMathPara>
+                </a14:m>
+                <a:endParaRPr lang="en-US" dirty="0"/>
+              </a:p>
+              <a:p>
+                <a14:m>
+                  <m:oMathPara xmlns:m="http://schemas.openxmlformats.org/officeDocument/2006/math">
+                    <m:oMathParaPr>
+                      <m:jc m:val="centerGroup"/>
+                    </m:oMathParaPr>
+                    <m:oMath xmlns:m="http://schemas.openxmlformats.org/officeDocument/2006/math">
+                      <m:r>
+                        <a:rPr lang="en-US" b="0" i="1" smtClean="0">
+                          <a:latin typeface="Cambria Math" panose="02040503050406030204" pitchFamily="18" charset="0"/>
+                        </a:rPr>
+                        <m:t>𝑚</m:t>
+                      </m:r>
+                      <m:r>
+                        <a:rPr lang="en-US" b="0" i="1" smtClean="0">
+                          <a:latin typeface="Cambria Math" panose="02040503050406030204" pitchFamily="18" charset="0"/>
+                        </a:rPr>
+                        <m:t>=</m:t>
+                      </m:r>
+                      <m:r>
+                        <a:rPr lang="en-US" b="0" i="1" smtClean="0">
+                          <a:latin typeface="Cambria Math" panose="02040503050406030204" pitchFamily="18" charset="0"/>
+                        </a:rPr>
+                        <m:t>𝑎𝑣𝑒𝑟𝑎𝑔𝑒</m:t>
+                      </m:r>
+                      <m:r>
+                        <a:rPr lang="en-US" b="0" i="1" smtClean="0">
+                          <a:latin typeface="Cambria Math" panose="02040503050406030204" pitchFamily="18" charset="0"/>
+                        </a:rPr>
+                        <m:t> </m:t>
+                      </m:r>
+                      <m:r>
+                        <a:rPr lang="en-US" b="0" i="1" smtClean="0">
+                          <a:latin typeface="Cambria Math" panose="02040503050406030204" pitchFamily="18" charset="0"/>
+                        </a:rPr>
+                        <m:t>𝑛𝑢𝑚𝑏𝑒𝑟</m:t>
+                      </m:r>
+                      <m:r>
+                        <a:rPr lang="en-US" b="0" i="1" smtClean="0">
+                          <a:latin typeface="Cambria Math" panose="02040503050406030204" pitchFamily="18" charset="0"/>
+                        </a:rPr>
+                        <m:t> </m:t>
+                      </m:r>
+                      <m:r>
+                        <a:rPr lang="en-US" b="0" i="1" smtClean="0">
+                          <a:latin typeface="Cambria Math" panose="02040503050406030204" pitchFamily="18" charset="0"/>
+                        </a:rPr>
+                        <m:t>𝑜𝑓</m:t>
+                      </m:r>
+                      <m:r>
+                        <a:rPr lang="en-US" b="0" i="1" smtClean="0">
+                          <a:latin typeface="Cambria Math" panose="02040503050406030204" pitchFamily="18" charset="0"/>
+                        </a:rPr>
+                        <m:t> </m:t>
+                      </m:r>
+                      <m:r>
+                        <a:rPr lang="en-US" b="0" i="1" smtClean="0">
+                          <a:latin typeface="Cambria Math" panose="02040503050406030204" pitchFamily="18" charset="0"/>
+                        </a:rPr>
+                        <m:t>𝑎𝑛𝑡𝑖𝑏𝑜𝑑𝑖𝑒𝑠</m:t>
+                      </m:r>
+                      <m:r>
+                        <a:rPr lang="en-US" b="0" i="1" smtClean="0">
+                          <a:latin typeface="Cambria Math" panose="02040503050406030204" pitchFamily="18" charset="0"/>
+                        </a:rPr>
+                        <m:t> </m:t>
+                      </m:r>
+                      <m:r>
+                        <a:rPr lang="en-US" b="0" i="1" smtClean="0">
+                          <a:latin typeface="Cambria Math" panose="02040503050406030204" pitchFamily="18" charset="0"/>
+                        </a:rPr>
+                        <m:t>𝑝𝑒𝑟</m:t>
+                      </m:r>
+                      <m:r>
+                        <a:rPr lang="en-US" b="0" i="1" smtClean="0">
+                          <a:latin typeface="Cambria Math" panose="02040503050406030204" pitchFamily="18" charset="0"/>
+                        </a:rPr>
+                        <m:t> </m:t>
+                      </m:r>
+                      <m:r>
+                        <a:rPr lang="en-US" b="0" i="1" smtClean="0">
+                          <a:latin typeface="Cambria Math" panose="02040503050406030204" pitchFamily="18" charset="0"/>
+                        </a:rPr>
+                        <m:t>𝑣𝑖𝑟𝑢𝑠</m:t>
+                      </m:r>
+                    </m:oMath>
+                  </m:oMathPara>
+                </a14:m>
+                <a:endParaRPr lang="en-US" dirty="0"/>
+              </a:p>
+              <a:p>
+                <a14:m>
+                  <m:oMathPara xmlns:m="http://schemas.openxmlformats.org/officeDocument/2006/math">
+                    <m:oMathParaPr>
+                      <m:jc m:val="centerGroup"/>
+                    </m:oMathParaPr>
+                    <m:oMath xmlns:m="http://schemas.openxmlformats.org/officeDocument/2006/math">
+                      <m:r>
+                        <a:rPr lang="en-US" b="0" i="1" smtClean="0">
+                          <a:latin typeface="Cambria Math" panose="02040503050406030204" pitchFamily="18" charset="0"/>
+                        </a:rPr>
+                        <m:t>𝑛</m:t>
+                      </m:r>
+                      <m:r>
+                        <a:rPr lang="en-US" b="0" i="1" smtClean="0">
+                          <a:latin typeface="Cambria Math" panose="02040503050406030204" pitchFamily="18" charset="0"/>
+                        </a:rPr>
+                        <m:t>=</m:t>
+                      </m:r>
+                      <m:r>
+                        <a:rPr lang="en-US" b="0" i="1" smtClean="0">
+                          <a:latin typeface="Cambria Math" panose="02040503050406030204" pitchFamily="18" charset="0"/>
+                        </a:rPr>
+                        <m:t>𝑡h𝑟𝑒𝑠h𝑜𝑙𝑑</m:t>
+                      </m:r>
+                      <m:r>
+                        <a:rPr lang="en-US" b="0" i="1" smtClean="0">
+                          <a:latin typeface="Cambria Math" panose="02040503050406030204" pitchFamily="18" charset="0"/>
+                        </a:rPr>
+                        <m:t> </m:t>
+                      </m:r>
+                      <m:r>
+                        <a:rPr lang="en-US" b="0" i="1" smtClean="0">
+                          <a:latin typeface="Cambria Math" panose="02040503050406030204" pitchFamily="18" charset="0"/>
+                        </a:rPr>
+                        <m:t>𝑜𝑓</m:t>
+                      </m:r>
+                      <m:r>
+                        <a:rPr lang="en-US" b="0" i="1" smtClean="0">
+                          <a:latin typeface="Cambria Math" panose="02040503050406030204" pitchFamily="18" charset="0"/>
+                        </a:rPr>
+                        <m:t> </m:t>
+                      </m:r>
+                      <m:r>
+                        <a:rPr lang="en-US" b="0" i="1" smtClean="0">
+                          <a:latin typeface="Cambria Math" panose="02040503050406030204" pitchFamily="18" charset="0"/>
+                        </a:rPr>
+                        <m:t>𝑎𝑛𝑡𝑖𝑏𝑜𝑑𝑖𝑒𝑠</m:t>
+                      </m:r>
+                      <m:r>
+                        <a:rPr lang="en-US" b="0" i="1" smtClean="0">
+                          <a:latin typeface="Cambria Math" panose="02040503050406030204" pitchFamily="18" charset="0"/>
+                        </a:rPr>
+                        <m:t> </m:t>
+                      </m:r>
+                      <m:r>
+                        <a:rPr lang="en-US" b="0" i="1" smtClean="0">
+                          <a:latin typeface="Cambria Math" panose="02040503050406030204" pitchFamily="18" charset="0"/>
+                        </a:rPr>
+                        <m:t>𝑝𝑒𝑟</m:t>
+                      </m:r>
+                      <m:r>
+                        <a:rPr lang="en-US" b="0" i="1" smtClean="0">
+                          <a:latin typeface="Cambria Math" panose="02040503050406030204" pitchFamily="18" charset="0"/>
+                        </a:rPr>
+                        <m:t> </m:t>
+                      </m:r>
+                      <m:r>
+                        <a:rPr lang="en-US" b="0" i="1" smtClean="0">
+                          <a:latin typeface="Cambria Math" panose="02040503050406030204" pitchFamily="18" charset="0"/>
+                        </a:rPr>
+                        <m:t>𝑣𝑖𝑟𝑢𝑠</m:t>
+                      </m:r>
+                    </m:oMath>
+                  </m:oMathPara>
+                </a14:m>
+                <a:endParaRPr lang="en-US" b="0" dirty="0"/>
+              </a:p>
+              <a:p>
+                <a:pPr/>
+                <a14:m>
+                  <m:oMathPara xmlns:m="http://schemas.openxmlformats.org/officeDocument/2006/math">
+                    <m:oMathParaPr>
+                      <m:jc m:val="centerGroup"/>
+                    </m:oMathParaPr>
+                    <m:oMath xmlns:m="http://schemas.openxmlformats.org/officeDocument/2006/math">
+                      <m:r>
+                        <a:rPr lang="en-US" b="0" i="1" smtClean="0">
+                          <a:latin typeface="Cambria Math" panose="02040503050406030204" pitchFamily="18" charset="0"/>
+                        </a:rPr>
+                        <m:t>𝑟</m:t>
+                      </m:r>
+                      <m:r>
+                        <a:rPr lang="en-US" i="1">
+                          <a:latin typeface="Cambria Math" panose="02040503050406030204" pitchFamily="18" charset="0"/>
+                        </a:rPr>
+                        <m:t>=</m:t>
+                      </m:r>
+                      <m:r>
+                        <a:rPr lang="en-US" b="0" i="1" smtClean="0">
+                          <a:latin typeface="Cambria Math" panose="02040503050406030204" pitchFamily="18" charset="0"/>
+                        </a:rPr>
+                        <m:t>𝑎𝑛𝑡𝑖𝑏𝑜𝑑𝑦</m:t>
+                      </m:r>
+                      <m:r>
+                        <a:rPr lang="en-US" b="0" i="1" smtClean="0">
+                          <a:latin typeface="Cambria Math" panose="02040503050406030204" pitchFamily="18" charset="0"/>
+                        </a:rPr>
+                        <m:t> </m:t>
+                      </m:r>
+                      <m:r>
+                        <a:rPr lang="en-US" b="0" i="1" smtClean="0">
+                          <a:latin typeface="Cambria Math" panose="02040503050406030204" pitchFamily="18" charset="0"/>
+                        </a:rPr>
+                        <m:t>𝑚𝑜𝑙𝑒𝑐𝑢𝑙𝑒𝑠</m:t>
+                      </m:r>
+                      <m:r>
+                        <a:rPr lang="en-US" b="0" i="1" smtClean="0">
+                          <a:latin typeface="Cambria Math" panose="02040503050406030204" pitchFamily="18" charset="0"/>
+                        </a:rPr>
+                        <m:t> </m:t>
+                      </m:r>
+                      <m:r>
+                        <a:rPr lang="en-US" b="0" i="1" smtClean="0">
+                          <a:latin typeface="Cambria Math" panose="02040503050406030204" pitchFamily="18" charset="0"/>
+                        </a:rPr>
+                        <m:t>𝑝𝑒𝑟</m:t>
+                      </m:r>
+                      <m:r>
+                        <a:rPr lang="en-US" b="0" i="1" smtClean="0">
+                          <a:latin typeface="Cambria Math" panose="02040503050406030204" pitchFamily="18" charset="0"/>
+                        </a:rPr>
+                        <m:t> </m:t>
+                      </m:r>
+                      <m:r>
+                        <a:rPr lang="en-US" b="0" i="1" smtClean="0">
+                          <a:latin typeface="Cambria Math" panose="02040503050406030204" pitchFamily="18" charset="0"/>
+                        </a:rPr>
+                        <m:t>𝑣𝑖𝑟𝑢𝑠</m:t>
+                      </m:r>
+                    </m:oMath>
+                  </m:oMathPara>
+                </a14:m>
+                <a:endParaRPr lang="en-US" dirty="0"/>
+              </a:p>
+            </p:txBody>
+          </p:sp>
+        </mc:Choice>
+        <mc:Fallback>
+          <p:sp>
+            <p:nvSpPr>
+              <p:cNvPr id="12" name="TextBox 11">
+                <a:extLst>
+                  <a:ext uri="{FF2B5EF4-FFF2-40B4-BE49-F238E27FC236}">
+                    <a16:creationId xmlns:a16="http://schemas.microsoft.com/office/drawing/2014/main" id="{3CEB4FFC-79CC-D54D-A7D5-293D37CC12C2}"/>
+                  </a:ext>
+                </a:extLst>
+              </p:cNvPr>
+              <p:cNvSpPr txBox="1">
+                <a:spLocks noRot="1" noChangeAspect="1" noMove="1" noResize="1" noEditPoints="1" noAdjustHandles="1" noChangeArrowheads="1" noChangeShapeType="1" noTextEdit="1"/>
+              </p:cNvSpPr>
+              <p:nvPr/>
+            </p:nvSpPr>
+            <p:spPr>
+              <a:xfrm>
+                <a:off x="2645470" y="4343400"/>
+                <a:ext cx="6041330" cy="1609415"/>
+              </a:xfrm>
+              <a:prstGeom prst="rect">
+                <a:avLst/>
+              </a:prstGeom>
+              <a:blipFill>
+                <a:blip r:embed="rId3"/>
+                <a:stretch>
+                  <a:fillRect t="-53906" b="-32813"/>
+                </a:stretch>
+              </a:blipFill>
+            </p:spPr>
+            <p:txBody>
+              <a:bodyPr/>
+              <a:lstStyle/>
+              <a:p>
+                <a:r>
+                  <a:rPr lang="en-US">
+                    <a:noFill/>
+                  </a:rPr>
+                  <a:t> </a:t>
+                </a:r>
+              </a:p>
+            </p:txBody>
+          </p:sp>
+        </mc:Fallback>
+      </mc:AlternateContent>
+      <p:sp>
+        <p:nvSpPr>
+          <p:cNvPr id="13" name="TextBox 12">
+            <a:extLst>
+              <a:ext uri="{FF2B5EF4-FFF2-40B4-BE49-F238E27FC236}">
+                <a16:creationId xmlns:a16="http://schemas.microsoft.com/office/drawing/2014/main" id="{EAA50FD7-A911-BC41-AED0-0B9B6EEB8DF1}"/>
+              </a:ext>
+            </a:extLst>
+          </p:cNvPr>
+          <p:cNvSpPr txBox="1"/>
+          <p:nvPr/>
+        </p:nvSpPr>
+        <p:spPr>
+          <a:xfrm>
+            <a:off x="1600200" y="2278504"/>
+            <a:ext cx="1676400" cy="923330"/>
+          </a:xfrm>
+          <a:prstGeom prst="rect">
+            <a:avLst/>
+          </a:prstGeom>
+          <a:noFill/>
+        </p:spPr>
+        <p:txBody>
+          <a:bodyPr wrap="square" rtlCol="0" anchor="ctr">
+            <a:spAutoFit/>
+          </a:bodyPr>
+          <a:lstStyle/>
+          <a:p>
+            <a:pPr algn="ctr"/>
+            <a:r>
+              <a:rPr lang="en-US" dirty="0">
+                <a:solidFill>
+                  <a:srgbClr val="FF0000"/>
+                </a:solidFill>
+              </a:rPr>
+              <a:t>All or Nothing (First order kinetics)</a:t>
+            </a:r>
+          </a:p>
+        </p:txBody>
+      </p:sp>
+      <p:sp>
+        <p:nvSpPr>
+          <p:cNvPr id="14" name="TextBox 13">
+            <a:extLst>
+              <a:ext uri="{FF2B5EF4-FFF2-40B4-BE49-F238E27FC236}">
+                <a16:creationId xmlns:a16="http://schemas.microsoft.com/office/drawing/2014/main" id="{B9869438-F0EB-7D40-A053-C8F3CA5E5647}"/>
+              </a:ext>
+            </a:extLst>
+          </p:cNvPr>
+          <p:cNvSpPr txBox="1"/>
+          <p:nvPr/>
+        </p:nvSpPr>
+        <p:spPr>
+          <a:xfrm>
+            <a:off x="4648200" y="2417003"/>
+            <a:ext cx="1676400" cy="646331"/>
+          </a:xfrm>
+          <a:prstGeom prst="rect">
+            <a:avLst/>
+          </a:prstGeom>
+          <a:noFill/>
+        </p:spPr>
+        <p:txBody>
+          <a:bodyPr wrap="square" rtlCol="0" anchor="ctr">
+            <a:spAutoFit/>
+          </a:bodyPr>
+          <a:lstStyle/>
+          <a:p>
+            <a:pPr algn="ctr"/>
+            <a:r>
+              <a:rPr lang="en-US" dirty="0">
+                <a:solidFill>
+                  <a:srgbClr val="FF0000"/>
+                </a:solidFill>
+              </a:rPr>
+              <a:t>Incremental Neutralization</a:t>
+            </a:r>
           </a:p>
         </p:txBody>
       </p:sp>
